--- a/lectures/slides/PGLS&PICs.pptx
+++ b/lectures/slides/PGLS&PICs.pptx
@@ -4,22 +4,28 @@
   <p:sldMasterIdLst>
     <p:sldMasterId id="2147483648" r:id="rId1"/>
   </p:sldMasterIdLst>
+  <p:notesMasterIdLst>
+    <p:notesMasterId r:id="rId17"/>
+  </p:notesMasterIdLst>
   <p:sldIdLst>
     <p:sldId id="256" r:id="rId3"/>
-    <p:sldId id="258" r:id="rId4"/>
-    <p:sldId id="261" r:id="rId5"/>
-    <p:sldId id="259" r:id="rId6"/>
-    <p:sldId id="260" r:id="rId7"/>
-    <p:sldId id="262" r:id="rId8"/>
-    <p:sldId id="264" r:id="rId9"/>
-    <p:sldId id="263" r:id="rId10"/>
-    <p:sldId id="265" r:id="rId11"/>
-    <p:sldId id="267" r:id="rId12"/>
-    <p:sldId id="268" r:id="rId13"/>
-    <p:sldId id="266" r:id="rId14"/>
-    <p:sldId id="269" r:id="rId15"/>
-    <p:sldId id="270" r:id="rId16"/>
-    <p:sldId id="271" r:id="rId17"/>
+    <p:sldId id="274" r:id="rId4"/>
+    <p:sldId id="258" r:id="rId5"/>
+    <p:sldId id="261" r:id="rId6"/>
+    <p:sldId id="259" r:id="rId7"/>
+    <p:sldId id="260" r:id="rId8"/>
+    <p:sldId id="262" r:id="rId9"/>
+    <p:sldId id="264" r:id="rId10"/>
+    <p:sldId id="263" r:id="rId11"/>
+    <p:sldId id="265" r:id="rId12"/>
+    <p:sldId id="267" r:id="rId13"/>
+    <p:sldId id="268" r:id="rId14"/>
+    <p:sldId id="266" r:id="rId15"/>
+    <p:sldId id="276" r:id="rId16"/>
+    <p:sldId id="269" r:id="rId18"/>
+    <p:sldId id="270" r:id="rId19"/>
+    <p:sldId id="271" r:id="rId20"/>
+    <p:sldId id="275" r:id="rId21"/>
   </p:sldIdLst>
   <p:sldSz cx="9144000" cy="6858000" type="screen4x3"/>
   <p:notesSz cx="7103745" cy="10234295"/>
@@ -119,6 +125,397 @@
     </a:lvl9pPr>
   </p:defaultTextStyle>
 </p:presentation>
+</file>
+
+<file path=ppt/notesMasters/notesMaster1.xml><?xml version="1.0" encoding="utf-8"?>
+<p:notesMaster xmlns:a="http://schemas.openxmlformats.org/drawingml/2006/main" xmlns:r="http://schemas.openxmlformats.org/officeDocument/2006/relationships" xmlns:p="http://schemas.openxmlformats.org/presentationml/2006/main">
+  <p:cSld>
+    <p:bg>
+      <p:bgRef idx="1001">
+        <a:schemeClr val="bg1"/>
+      </p:bgRef>
+    </p:bg>
+    <p:spTree>
+      <p:nvGrpSpPr>
+        <p:cNvPr id="1" name=""/>
+        <p:cNvGrpSpPr/>
+        <p:nvPr/>
+      </p:nvGrpSpPr>
+      <p:grpSpPr>
+        <a:xfrm>
+          <a:off x="0" y="0"/>
+          <a:ext cx="0" cy="0"/>
+          <a:chOff x="0" y="0"/>
+          <a:chExt cx="0" cy="0"/>
+        </a:xfrm>
+      </p:grpSpPr>
+      <p:sp>
+        <p:nvSpPr>
+          <p:cNvPr id="2" name="Header Placeholder 1"/>
+          <p:cNvSpPr>
+            <a:spLocks noGrp="1"/>
+          </p:cNvSpPr>
+          <p:nvPr>
+            <p:ph type="hdr" sz="quarter"/>
+          </p:nvPr>
+        </p:nvSpPr>
+        <p:spPr>
+          <a:xfrm>
+            <a:off x="0" y="0"/>
+            <a:ext cx="3078290" cy="513492"/>
+          </a:xfrm>
+          <a:prstGeom prst="rect">
+            <a:avLst/>
+          </a:prstGeom>
+        </p:spPr>
+        <p:txBody>
+          <a:bodyPr vert="horz" lIns="91440" tIns="45720" rIns="91440" bIns="45720" rtlCol="0"/>
+          <a:lstStyle>
+            <a:lvl1pPr algn="l">
+              <a:defRPr sz="1200"/>
+            </a:lvl1pPr>
+          </a:lstStyle>
+          <a:p>
+            <a:endParaRPr lang="en-US"/>
+          </a:p>
+        </p:txBody>
+      </p:sp>
+      <p:sp>
+        <p:nvSpPr>
+          <p:cNvPr id="3" name="Date Placeholder 2"/>
+          <p:cNvSpPr>
+            <a:spLocks noGrp="1"/>
+          </p:cNvSpPr>
+          <p:nvPr>
+            <p:ph type="dt" idx="1"/>
+          </p:nvPr>
+        </p:nvSpPr>
+        <p:spPr>
+          <a:xfrm>
+            <a:off x="4023812" y="0"/>
+            <a:ext cx="3078290" cy="513492"/>
+          </a:xfrm>
+          <a:prstGeom prst="rect">
+            <a:avLst/>
+          </a:prstGeom>
+        </p:spPr>
+        <p:txBody>
+          <a:bodyPr vert="horz" lIns="91440" tIns="45720" rIns="91440" bIns="45720" rtlCol="0"/>
+          <a:lstStyle>
+            <a:lvl1pPr algn="r">
+              <a:defRPr sz="1200"/>
+            </a:lvl1pPr>
+          </a:lstStyle>
+          <a:p>
+            <a:fld id="{3EFD42F7-718C-4B98-AAEC-167E6DDD60A7}" type="datetimeFigureOut">
+              <a:rPr lang="en-US" smtClean="0"/>
+            </a:fld>
+            <a:endParaRPr lang="en-US"/>
+          </a:p>
+        </p:txBody>
+      </p:sp>
+      <p:sp>
+        <p:nvSpPr>
+          <p:cNvPr id="4" name="Slide Image Placeholder 3"/>
+          <p:cNvSpPr>
+            <a:spLocks noGrp="1" noRot="1" noChangeAspect="1"/>
+          </p:cNvSpPr>
+          <p:nvPr>
+            <p:ph type="sldImg" idx="2"/>
+          </p:nvPr>
+        </p:nvSpPr>
+        <p:spPr>
+          <a:xfrm>
+            <a:off x="481584" y="1279287"/>
+            <a:ext cx="6140577" cy="3454075"/>
+          </a:xfrm>
+          <a:prstGeom prst="rect">
+            <a:avLst/>
+          </a:prstGeom>
+          <a:noFill/>
+          <a:ln w="12700">
+            <a:solidFill>
+              <a:prstClr val="black"/>
+            </a:solidFill>
+          </a:ln>
+        </p:spPr>
+        <p:txBody>
+          <a:bodyPr vert="horz" lIns="91440" tIns="45720" rIns="91440" bIns="45720" rtlCol="0" anchor="ctr"/>
+          <a:lstStyle/>
+          <a:p>
+            <a:endParaRPr lang="en-US"/>
+          </a:p>
+        </p:txBody>
+      </p:sp>
+      <p:sp>
+        <p:nvSpPr>
+          <p:cNvPr id="5" name="Notes Placeholder 4"/>
+          <p:cNvSpPr>
+            <a:spLocks noGrp="1"/>
+          </p:cNvSpPr>
+          <p:nvPr>
+            <p:ph type="body" sz="quarter" idx="3"/>
+          </p:nvPr>
+        </p:nvSpPr>
+        <p:spPr>
+          <a:xfrm>
+            <a:off x="710375" y="4925254"/>
+            <a:ext cx="5682996" cy="4029754"/>
+          </a:xfrm>
+          <a:prstGeom prst="rect">
+            <a:avLst/>
+          </a:prstGeom>
+        </p:spPr>
+        <p:txBody>
+          <a:bodyPr vert="horz" lIns="91440" tIns="45720" rIns="91440" bIns="45720" rtlCol="0"/>
+          <a:lstStyle/>
+          <a:p>
+            <a:pPr lvl="0"/>
+            <a:r>
+              <a:rPr lang="en-US" smtClean="0"/>
+              <a:t>Click to edit Master text styles</a:t>
+            </a:r>
+            <a:endParaRPr lang="en-US" smtClean="0"/>
+          </a:p>
+          <a:p>
+            <a:pPr lvl="1"/>
+            <a:r>
+              <a:rPr lang="en-US" smtClean="0"/>
+              <a:t>Second level</a:t>
+            </a:r>
+            <a:endParaRPr lang="en-US" smtClean="0"/>
+          </a:p>
+          <a:p>
+            <a:pPr lvl="2"/>
+            <a:r>
+              <a:rPr lang="en-US" smtClean="0"/>
+              <a:t>Third level</a:t>
+            </a:r>
+            <a:endParaRPr lang="en-US" smtClean="0"/>
+          </a:p>
+          <a:p>
+            <a:pPr lvl="3"/>
+            <a:r>
+              <a:rPr lang="en-US" smtClean="0"/>
+              <a:t>Fourth level</a:t>
+            </a:r>
+            <a:endParaRPr lang="en-US" smtClean="0"/>
+          </a:p>
+          <a:p>
+            <a:pPr lvl="4"/>
+            <a:r>
+              <a:rPr lang="en-US" smtClean="0"/>
+              <a:t>Fifth level</a:t>
+            </a:r>
+            <a:endParaRPr lang="en-US"/>
+          </a:p>
+        </p:txBody>
+      </p:sp>
+      <p:sp>
+        <p:nvSpPr>
+          <p:cNvPr id="6" name="Footer Placeholder 5"/>
+          <p:cNvSpPr>
+            <a:spLocks noGrp="1"/>
+          </p:cNvSpPr>
+          <p:nvPr>
+            <p:ph type="ftr" sz="quarter" idx="4"/>
+          </p:nvPr>
+        </p:nvSpPr>
+        <p:spPr>
+          <a:xfrm>
+            <a:off x="0" y="9720804"/>
+            <a:ext cx="3078290" cy="513491"/>
+          </a:xfrm>
+          <a:prstGeom prst="rect">
+            <a:avLst/>
+          </a:prstGeom>
+        </p:spPr>
+        <p:txBody>
+          <a:bodyPr vert="horz" lIns="91440" tIns="45720" rIns="91440" bIns="45720" rtlCol="0" anchor="b"/>
+          <a:lstStyle>
+            <a:lvl1pPr algn="l">
+              <a:defRPr sz="1200"/>
+            </a:lvl1pPr>
+          </a:lstStyle>
+          <a:p>
+            <a:endParaRPr lang="en-US"/>
+          </a:p>
+        </p:txBody>
+      </p:sp>
+      <p:sp>
+        <p:nvSpPr>
+          <p:cNvPr id="7" name="Slide Number Placeholder 6"/>
+          <p:cNvSpPr>
+            <a:spLocks noGrp="1"/>
+          </p:cNvSpPr>
+          <p:nvPr>
+            <p:ph type="sldNum" sz="quarter" idx="5"/>
+          </p:nvPr>
+        </p:nvSpPr>
+        <p:spPr>
+          <a:xfrm>
+            <a:off x="4023812" y="9720804"/>
+            <a:ext cx="3078290" cy="513491"/>
+          </a:xfrm>
+          <a:prstGeom prst="rect">
+            <a:avLst/>
+          </a:prstGeom>
+        </p:spPr>
+        <p:txBody>
+          <a:bodyPr vert="horz" lIns="91440" tIns="45720" rIns="91440" bIns="45720" rtlCol="0" anchor="b"/>
+          <a:lstStyle>
+            <a:lvl1pPr algn="r">
+              <a:defRPr sz="1200"/>
+            </a:lvl1pPr>
+          </a:lstStyle>
+          <a:p>
+            <a:fld id="{21B2AA4F-B828-4D7C-AFD3-893933DAFCB4}" type="slidenum">
+              <a:rPr lang="en-US" smtClean="0"/>
+            </a:fld>
+            <a:endParaRPr lang="en-US"/>
+          </a:p>
+        </p:txBody>
+      </p:sp>
+    </p:spTree>
+  </p:cSld>
+  <p:clrMap bg1="lt1" tx1="dk1" bg2="lt2" tx2="dk2" accent1="accent1" accent2="accent2" accent3="accent3" accent4="accent4" accent5="accent5" accent6="accent6" hlink="hlink" folHlink="folHlink"/>
+  <p:notesStyle>
+    <a:lvl1pPr marL="0" algn="l" defTabSz="914400" rtl="0" eaLnBrk="1" latinLnBrk="0" hangingPunct="1">
+      <a:defRPr sz="1200" kern="1200">
+        <a:solidFill>
+          <a:schemeClr val="tx1"/>
+        </a:solidFill>
+        <a:latin typeface="+mn-lt"/>
+        <a:ea typeface="+mn-ea"/>
+        <a:cs typeface="+mn-cs"/>
+      </a:defRPr>
+    </a:lvl1pPr>
+    <a:lvl2pPr marL="457200" algn="l" defTabSz="914400" rtl="0" eaLnBrk="1" latinLnBrk="0" hangingPunct="1">
+      <a:defRPr sz="1200" kern="1200">
+        <a:solidFill>
+          <a:schemeClr val="tx1"/>
+        </a:solidFill>
+        <a:latin typeface="+mn-lt"/>
+        <a:ea typeface="+mn-ea"/>
+        <a:cs typeface="+mn-cs"/>
+      </a:defRPr>
+    </a:lvl2pPr>
+    <a:lvl3pPr marL="914400" algn="l" defTabSz="914400" rtl="0" eaLnBrk="1" latinLnBrk="0" hangingPunct="1">
+      <a:defRPr sz="1200" kern="1200">
+        <a:solidFill>
+          <a:schemeClr val="tx1"/>
+        </a:solidFill>
+        <a:latin typeface="+mn-lt"/>
+        <a:ea typeface="+mn-ea"/>
+        <a:cs typeface="+mn-cs"/>
+      </a:defRPr>
+    </a:lvl3pPr>
+    <a:lvl4pPr marL="1371600" algn="l" defTabSz="914400" rtl="0" eaLnBrk="1" latinLnBrk="0" hangingPunct="1">
+      <a:defRPr sz="1200" kern="1200">
+        <a:solidFill>
+          <a:schemeClr val="tx1"/>
+        </a:solidFill>
+        <a:latin typeface="+mn-lt"/>
+        <a:ea typeface="+mn-ea"/>
+        <a:cs typeface="+mn-cs"/>
+      </a:defRPr>
+    </a:lvl4pPr>
+    <a:lvl5pPr marL="1828800" algn="l" defTabSz="914400" rtl="0" eaLnBrk="1" latinLnBrk="0" hangingPunct="1">
+      <a:defRPr sz="1200" kern="1200">
+        <a:solidFill>
+          <a:schemeClr val="tx1"/>
+        </a:solidFill>
+        <a:latin typeface="+mn-lt"/>
+        <a:ea typeface="+mn-ea"/>
+        <a:cs typeface="+mn-cs"/>
+      </a:defRPr>
+    </a:lvl5pPr>
+    <a:lvl6pPr marL="2286000" algn="l" defTabSz="914400" rtl="0" eaLnBrk="1" latinLnBrk="0" hangingPunct="1">
+      <a:defRPr sz="1200" kern="1200">
+        <a:solidFill>
+          <a:schemeClr val="tx1"/>
+        </a:solidFill>
+        <a:latin typeface="+mn-lt"/>
+        <a:ea typeface="+mn-ea"/>
+        <a:cs typeface="+mn-cs"/>
+      </a:defRPr>
+    </a:lvl6pPr>
+    <a:lvl7pPr marL="2743200" algn="l" defTabSz="914400" rtl="0" eaLnBrk="1" latinLnBrk="0" hangingPunct="1">
+      <a:defRPr sz="1200" kern="1200">
+        <a:solidFill>
+          <a:schemeClr val="tx1"/>
+        </a:solidFill>
+        <a:latin typeface="+mn-lt"/>
+        <a:ea typeface="+mn-ea"/>
+        <a:cs typeface="+mn-cs"/>
+      </a:defRPr>
+    </a:lvl7pPr>
+    <a:lvl8pPr marL="3200400" algn="l" defTabSz="914400" rtl="0" eaLnBrk="1" latinLnBrk="0" hangingPunct="1">
+      <a:defRPr sz="1200" kern="1200">
+        <a:solidFill>
+          <a:schemeClr val="tx1"/>
+        </a:solidFill>
+        <a:latin typeface="+mn-lt"/>
+        <a:ea typeface="+mn-ea"/>
+        <a:cs typeface="+mn-cs"/>
+      </a:defRPr>
+    </a:lvl8pPr>
+    <a:lvl9pPr marL="3657600" algn="l" defTabSz="914400" rtl="0" eaLnBrk="1" latinLnBrk="0" hangingPunct="1">
+      <a:defRPr sz="1200" kern="1200">
+        <a:solidFill>
+          <a:schemeClr val="tx1"/>
+        </a:solidFill>
+        <a:latin typeface="+mn-lt"/>
+        <a:ea typeface="+mn-ea"/>
+        <a:cs typeface="+mn-cs"/>
+      </a:defRPr>
+    </a:lvl9pPr>
+  </p:notesStyle>
+</p:notesMaster>
+</file>
+
+<file path=ppt/notesSlides/notesSlide1.xml><?xml version="1.0" encoding="utf-8"?>
+<p:notes xmlns:a="http://schemas.openxmlformats.org/drawingml/2006/main" xmlns:r="http://schemas.openxmlformats.org/officeDocument/2006/relationships" xmlns:p="http://schemas.openxmlformats.org/presentationml/2006/main">
+  <p:cSld>
+    <p:spTree>
+      <p:nvGrpSpPr>
+        <p:cNvPr id="1" name=""/>
+        <p:cNvGrpSpPr/>
+        <p:nvPr/>
+      </p:nvGrpSpPr>
+      <p:grpSpPr/>
+      <p:sp>
+        <p:nvSpPr>
+          <p:cNvPr id="2" name="Slide Image Placeholder 1"/>
+          <p:cNvSpPr/>
+          <p:nvPr>
+            <p:ph type="sldImg" idx="2"/>
+          </p:nvPr>
+        </p:nvSpPr>
+        <p:spPr/>
+      </p:sp>
+      <p:sp>
+        <p:nvSpPr>
+          <p:cNvPr id="3" name="Text Placeholder 2"/>
+          <p:cNvSpPr/>
+          <p:nvPr>
+            <p:ph type="body" idx="3"/>
+          </p:nvPr>
+        </p:nvSpPr>
+        <p:spPr/>
+        <p:txBody>
+          <a:bodyPr/>
+          <a:p>
+            <a:endParaRPr lang="en-US"/>
+          </a:p>
+        </p:txBody>
+      </p:sp>
+    </p:spTree>
+  </p:cSld>
+  <p:clrMapOvr>
+    <a:masterClrMapping/>
+  </p:clrMapOvr>
+</p:notes>
 </file>
 
 <file path=ppt/slideLayouts/slideLayout1.xml><?xml version="1.0" encoding="utf-8"?>
@@ -2656,19 +3053,17 @@
           <a:bodyPr/>
           <a:p>
             <a:r>
-              <a:rPr lang="" altLang="en-US"/>
+              <a:rPr lang="en-US" altLang="en-US"/>
               <a:t>The Comparative Method</a:t>
             </a:r>
-            <a:endParaRPr lang="" altLang="en-US"/>
-          </a:p>
-        </p:txBody>
-      </p:sp>
-      <p:sp>
-        <p:nvSpPr>
-          <p:cNvPr id="3" name="Subtitle 2"/>
-          <p:cNvSpPr>
-            <a:spLocks noGrp="1"/>
-          </p:cNvSpPr>
+            <a:endParaRPr lang="en-US" altLang="en-US"/>
+          </a:p>
+        </p:txBody>
+      </p:sp>
+      <p:sp>
+        <p:nvSpPr>
+          <p:cNvPr id="4" name="Subtitle 3"/>
+          <p:cNvSpPr/>
           <p:nvPr>
             <p:ph type="subTitle" idx="1"/>
           </p:nvPr>
@@ -2677,11 +3072,7 @@
         <p:txBody>
           <a:bodyPr/>
           <a:p>
-            <a:r>
-              <a:rPr lang="" altLang="en-US"/>
-              <a:t>10/17/2018</a:t>
-            </a:r>
-            <a:endParaRPr lang="" altLang="en-US"/>
+            <a:endParaRPr lang="en-US"/>
           </a:p>
         </p:txBody>
       </p:sp>
@@ -2694,6 +3085,72 @@
 </file>
 
 <file path=ppt/slides/slide10.xml><?xml version="1.0" encoding="utf-8"?>
+<p:sld xmlns:a="http://schemas.openxmlformats.org/drawingml/2006/main" xmlns:r="http://schemas.openxmlformats.org/officeDocument/2006/relationships" xmlns:p="http://schemas.openxmlformats.org/presentationml/2006/main">
+  <p:cSld>
+    <p:spTree>
+      <p:nvGrpSpPr>
+        <p:cNvPr id="1" name=""/>
+        <p:cNvGrpSpPr/>
+        <p:nvPr/>
+      </p:nvGrpSpPr>
+      <p:grpSpPr/>
+      <p:sp>
+        <p:nvSpPr>
+          <p:cNvPr id="2" name="Title 1"/>
+          <p:cNvSpPr>
+            <a:spLocks noGrp="1"/>
+          </p:cNvSpPr>
+          <p:nvPr>
+            <p:ph type="title"/>
+          </p:nvPr>
+        </p:nvSpPr>
+        <p:spPr/>
+        <p:txBody>
+          <a:bodyPr/>
+          <a:p>
+            <a:r>
+              <a:rPr lang="en-US" altLang="en-US"/>
+              <a:t>Turns out...</a:t>
+            </a:r>
+            <a:endParaRPr lang="en-US" altLang="en-US"/>
+          </a:p>
+        </p:txBody>
+      </p:sp>
+      <p:pic>
+        <p:nvPicPr>
+          <p:cNvPr id="4" name="Content Placeholder 3"/>
+          <p:cNvPicPr>
+            <a:picLocks noChangeAspect="1"/>
+          </p:cNvPicPr>
+          <p:nvPr>
+            <p:ph idx="1"/>
+          </p:nvPr>
+        </p:nvPicPr>
+        <p:blipFill>
+          <a:blip r:embed="rId1"/>
+          <a:stretch>
+            <a:fillRect/>
+          </a:stretch>
+        </p:blipFill>
+        <p:spPr>
+          <a:xfrm>
+            <a:off x="21590" y="1839595"/>
+            <a:ext cx="9100185" cy="3178810"/>
+          </a:xfrm>
+          <a:prstGeom prst="rect">
+            <a:avLst/>
+          </a:prstGeom>
+        </p:spPr>
+      </p:pic>
+    </p:spTree>
+  </p:cSld>
+  <p:clrMapOvr>
+    <a:masterClrMapping/>
+  </p:clrMapOvr>
+</p:sld>
+</file>
+
+<file path=ppt/slides/slide11.xml><?xml version="1.0" encoding="utf-8"?>
 <p:sld xmlns:a="http://schemas.openxmlformats.org/drawingml/2006/main" xmlns:r="http://schemas.openxmlformats.org/officeDocument/2006/relationships" xmlns:p="http://schemas.openxmlformats.org/presentationml/2006/main">
   <p:cSld>
     <p:spTree>
@@ -5969,7 +6426,7 @@
 </p:sld>
 </file>
 
-<file path=ppt/slides/slide11.xml><?xml version="1.0" encoding="utf-8"?>
+<file path=ppt/slides/slide12.xml><?xml version="1.0" encoding="utf-8"?>
 <p:sld xmlns:a="http://schemas.openxmlformats.org/drawingml/2006/main" xmlns:r="http://schemas.openxmlformats.org/officeDocument/2006/relationships" xmlns:p="http://schemas.openxmlformats.org/presentationml/2006/main">
   <p:cSld>
     <p:spTree>
@@ -5996,10 +6453,10 @@
           </a:bodyPr>
           <a:p>
             <a:r>
-              <a:rPr lang="" altLang="en-US"/>
+              <a:rPr lang="en-US" altLang="en-US"/>
               <a:t>Just like before...multivariate Normal distribution</a:t>
             </a:r>
-            <a:endParaRPr lang="" altLang="en-US"/>
+            <a:endParaRPr lang="en-US" altLang="en-US"/>
           </a:p>
         </p:txBody>
       </p:sp>
@@ -6021,16 +6478,32 @@
               <a:buNone/>
             </a:pPr>
             <a:r>
+              <a:rPr lang="en-US" altLang="en-US"/>
+              <a:t>To define a mvNormal distribution, just need a mean </a:t>
+            </a:r>
+            <a:r>
               <a:rPr lang="" altLang="en-US"/>
-              <a:t>To define a mvNormal distribution, just need a mean and a variance. </a:t>
-            </a:r>
-            <a:endParaRPr lang="" altLang="en-US"/>
+              <a:t>(vector)</a:t>
+            </a:r>
+            <a:r>
+              <a:rPr lang="en-US" altLang="en-US"/>
+              <a:t> and a variance </a:t>
+            </a:r>
+            <a:r>
+              <a:rPr lang="" altLang="en-US"/>
+              <a:t>(matrix).</a:t>
+            </a:r>
+            <a:r>
+              <a:rPr lang="en-US" altLang="en-US"/>
+              <a:t> </a:t>
+            </a:r>
+            <a:endParaRPr lang="en-US" altLang="en-US"/>
           </a:p>
           <a:p>
             <a:pPr marL="0" indent="0">
               <a:buNone/>
             </a:pPr>
-            <a:endParaRPr lang="" altLang="en-US"/>
+            <a:endParaRPr lang="en-US" altLang="en-US"/>
           </a:p>
         </p:txBody>
       </p:sp>
@@ -6066,255 +6539,6 @@
 </p:sld>
 </file>
 
-<file path=ppt/slides/slide12.xml><?xml version="1.0" encoding="utf-8"?>
-<p:sld xmlns:a="http://schemas.openxmlformats.org/drawingml/2006/main" xmlns:r="http://schemas.openxmlformats.org/officeDocument/2006/relationships" xmlns:p="http://schemas.openxmlformats.org/presentationml/2006/main">
-  <p:cSld>
-    <p:spTree>
-      <p:nvGrpSpPr>
-        <p:cNvPr id="1" name=""/>
-        <p:cNvGrpSpPr/>
-        <p:nvPr/>
-      </p:nvGrpSpPr>
-      <p:grpSpPr/>
-      <p:sp>
-        <p:nvSpPr>
-          <p:cNvPr id="2" name="Title 1"/>
-          <p:cNvSpPr>
-            <a:spLocks noGrp="1"/>
-          </p:cNvSpPr>
-          <p:nvPr>
-            <p:ph type="title"/>
-          </p:nvPr>
-        </p:nvSpPr>
-        <p:spPr>
-          <a:xfrm>
-            <a:off x="114300" y="-2540"/>
-            <a:ext cx="7886700" cy="1325563"/>
-          </a:xfrm>
-        </p:spPr>
-        <p:txBody>
-          <a:bodyPr/>
-          <a:p>
-            <a:r>
-              <a:rPr lang="" altLang="en-US"/>
-              <a:t>Extensions of PGLS</a:t>
-            </a:r>
-            <a:endParaRPr lang="" altLang="en-US"/>
-          </a:p>
-        </p:txBody>
-      </p:sp>
-      <p:sp>
-        <p:nvSpPr>
-          <p:cNvPr id="3" name="Content Placeholder 2"/>
-          <p:cNvSpPr>
-            <a:spLocks noGrp="1"/>
-          </p:cNvSpPr>
-          <p:nvPr>
-            <p:ph idx="1"/>
-          </p:nvPr>
-        </p:nvSpPr>
-        <p:spPr>
-          <a:xfrm>
-            <a:off x="198120" y="1120140"/>
-            <a:ext cx="8317230" cy="5445760"/>
-          </a:xfrm>
-        </p:spPr>
-        <p:txBody>
-          <a:bodyPr>
-            <a:normAutofit fontScale="80000"/>
-          </a:bodyPr>
-          <a:p>
-            <a:pPr marL="0" indent="0">
-              <a:buNone/>
-            </a:pPr>
-            <a:r>
-              <a:rPr lang="" altLang="en-US"/>
-              <a:t>Tree transformations </a:t>
-            </a:r>
-            <a:endParaRPr lang="" altLang="en-US"/>
-          </a:p>
-          <a:p>
-            <a:pPr marL="0" indent="0">
-              <a:buNone/>
-            </a:pPr>
-            <a:r>
-              <a:rPr lang="" altLang="en-US"/>
-              <a:t>	</a:t>
-            </a:r>
-            <a:r>
-              <a:rPr lang="" altLang="en-US">
-                <a:latin typeface="Arial" panose="020B0604020202020204" pitchFamily="34" charset="0"/>
-                <a:cs typeface="Arial" panose="020B0604020202020204" pitchFamily="34" charset="0"/>
-              </a:rPr>
-              <a:t>λ - </a:t>
-            </a:r>
-            <a:r>
-              <a:rPr lang="" altLang="en-US">
-                <a:cs typeface="Arial" panose="020B0604020202020204" pitchFamily="34" charset="0"/>
-              </a:rPr>
-              <a:t>“non phylogenetic slop” (heritability)</a:t>
-            </a:r>
-            <a:endParaRPr lang="" altLang="en-US">
-              <a:cs typeface="Arial" panose="020B0604020202020204" pitchFamily="34" charset="0"/>
-            </a:endParaRPr>
-          </a:p>
-          <a:p>
-            <a:pPr marL="0" indent="0">
-              <a:buNone/>
-            </a:pPr>
-            <a:r>
-              <a:rPr lang="" altLang="en-US">
-                <a:cs typeface="Arial" panose="020B0604020202020204" pitchFamily="34" charset="0"/>
-              </a:rPr>
-              <a:t>		= 1 BM</a:t>
-            </a:r>
-            <a:endParaRPr lang="" altLang="en-US">
-              <a:cs typeface="Arial" panose="020B0604020202020204" pitchFamily="34" charset="0"/>
-            </a:endParaRPr>
-          </a:p>
-          <a:p>
-            <a:pPr marL="0" indent="0">
-              <a:buNone/>
-            </a:pPr>
-            <a:r>
-              <a:rPr lang="" altLang="en-US">
-                <a:cs typeface="Arial" panose="020B0604020202020204" pitchFamily="34" charset="0"/>
-              </a:rPr>
-              <a:t>		= 0 No tree structure</a:t>
-            </a:r>
-            <a:endParaRPr lang="" altLang="en-US">
-              <a:cs typeface="Arial" panose="020B0604020202020204" pitchFamily="34" charset="0"/>
-            </a:endParaRPr>
-          </a:p>
-          <a:p>
-            <a:pPr marL="0" indent="0">
-              <a:buNone/>
-            </a:pPr>
-            <a:r>
-              <a:rPr lang="" altLang="en-US">
-                <a:latin typeface="Arial" panose="020B0604020202020204" pitchFamily="34" charset="0"/>
-                <a:cs typeface="Arial" panose="020B0604020202020204" pitchFamily="34" charset="0"/>
-              </a:rPr>
-              <a:t>	</a:t>
-            </a:r>
-            <a:r>
-              <a:rPr lang="" altLang="en-US">
-                <a:cs typeface="Arial" panose="020B0604020202020204" pitchFamily="34" charset="0"/>
-              </a:rPr>
-              <a:t>κ - Speciatiational</a:t>
-            </a:r>
-            <a:endParaRPr lang="" altLang="en-US">
-              <a:cs typeface="Arial" panose="020B0604020202020204" pitchFamily="34" charset="0"/>
-            </a:endParaRPr>
-          </a:p>
-          <a:p>
-            <a:pPr marL="0" indent="0">
-              <a:buNone/>
-            </a:pPr>
-            <a:r>
-              <a:rPr lang="" altLang="en-US">
-                <a:cs typeface="Arial" panose="020B0604020202020204" pitchFamily="34" charset="0"/>
-              </a:rPr>
-              <a:t>		= 1 BM</a:t>
-            </a:r>
-            <a:endParaRPr lang="" altLang="en-US">
-              <a:cs typeface="Arial" panose="020B0604020202020204" pitchFamily="34" charset="0"/>
-            </a:endParaRPr>
-          </a:p>
-          <a:p>
-            <a:pPr marL="0" indent="0">
-              <a:buNone/>
-            </a:pPr>
-            <a:r>
-              <a:rPr lang="" altLang="en-US">
-                <a:cs typeface="Arial" panose="020B0604020202020204" pitchFamily="34" charset="0"/>
-              </a:rPr>
-              <a:t>		= 0 Only speciational</a:t>
-            </a:r>
-            <a:endParaRPr lang="" altLang="en-US">
-              <a:cs typeface="Arial" panose="020B0604020202020204" pitchFamily="34" charset="0"/>
-            </a:endParaRPr>
-          </a:p>
-          <a:p>
-            <a:pPr marL="0" indent="0">
-              <a:buNone/>
-            </a:pPr>
-            <a:r>
-              <a:rPr lang="" altLang="en-US">
-                <a:cs typeface="Arial" panose="020B0604020202020204" pitchFamily="34" charset="0"/>
-              </a:rPr>
-              <a:t>	δ - Node heights raised/lowered to 	power of delta</a:t>
-            </a:r>
-            <a:endParaRPr lang="" altLang="en-US">
-              <a:cs typeface="Arial" panose="020B0604020202020204" pitchFamily="34" charset="0"/>
-            </a:endParaRPr>
-          </a:p>
-          <a:p>
-            <a:pPr marL="0" indent="0">
-              <a:buNone/>
-            </a:pPr>
-            <a:r>
-              <a:rPr lang="" altLang="en-US">
-                <a:cs typeface="Arial" panose="020B0604020202020204" pitchFamily="34" charset="0"/>
-              </a:rPr>
-              <a:t>		= 1 BM</a:t>
-            </a:r>
-            <a:endParaRPr lang="" altLang="en-US">
-              <a:cs typeface="Arial" panose="020B0604020202020204" pitchFamily="34" charset="0"/>
-            </a:endParaRPr>
-          </a:p>
-          <a:p>
-            <a:pPr marL="0" indent="0">
-              <a:buNone/>
-            </a:pPr>
-            <a:r>
-              <a:rPr lang="" altLang="en-US">
-                <a:cs typeface="Arial" panose="020B0604020202020204" pitchFamily="34" charset="0"/>
-              </a:rPr>
-              <a:t>		&gt; 1 Accelerating</a:t>
-            </a:r>
-            <a:endParaRPr lang="" altLang="en-US">
-              <a:cs typeface="Arial" panose="020B0604020202020204" pitchFamily="34" charset="0"/>
-            </a:endParaRPr>
-          </a:p>
-          <a:p>
-            <a:pPr marL="0" indent="0">
-              <a:buNone/>
-            </a:pPr>
-            <a:r>
-              <a:rPr lang="" altLang="en-US">
-                <a:cs typeface="Arial" panose="020B0604020202020204" pitchFamily="34" charset="0"/>
-              </a:rPr>
-              <a:t>		&lt;1 Decelerating</a:t>
-            </a:r>
-            <a:endParaRPr lang="" altLang="en-US">
-              <a:cs typeface="Arial" panose="020B0604020202020204" pitchFamily="34" charset="0"/>
-            </a:endParaRPr>
-          </a:p>
-          <a:p>
-            <a:pPr marL="0" indent="0">
-              <a:buNone/>
-            </a:pPr>
-            <a:r>
-              <a:rPr lang="" altLang="en-US">
-                <a:cs typeface="Arial" panose="020B0604020202020204" pitchFamily="34" charset="0"/>
-              </a:rPr>
-              <a:t>	Ornstein-Uhlenbeck - We will cover a lot more later!</a:t>
-            </a:r>
-            <a:endParaRPr lang="" altLang="en-US">
-              <a:cs typeface="Arial" panose="020B0604020202020204" pitchFamily="34" charset="0"/>
-            </a:endParaRPr>
-          </a:p>
-        </p:txBody>
-      </p:sp>
-    </p:spTree>
-  </p:cSld>
-  <p:clrMapOvr>
-    <a:masterClrMapping/>
-  </p:clrMapOvr>
-</p:sld>
-</file>
-
 <file path=ppt/slides/slide13.xml><?xml version="1.0" encoding="utf-8"?>
 <p:sld xmlns:a="http://schemas.openxmlformats.org/drawingml/2006/main" xmlns:r="http://schemas.openxmlformats.org/officeDocument/2006/relationships" xmlns:p="http://schemas.openxmlformats.org/presentationml/2006/main">
   <p:cSld>
@@ -6335,15 +6559,386 @@
             <p:ph type="title"/>
           </p:nvPr>
         </p:nvSpPr>
+        <p:spPr>
+          <a:xfrm>
+            <a:off x="114300" y="-2540"/>
+            <a:ext cx="7886700" cy="1325563"/>
+          </a:xfrm>
+        </p:spPr>
+        <p:txBody>
+          <a:bodyPr/>
+          <a:p>
+            <a:r>
+              <a:rPr lang="en-US" altLang="en-US"/>
+              <a:t>Extensions of PGLS</a:t>
+            </a:r>
+            <a:endParaRPr lang="en-US" altLang="en-US"/>
+          </a:p>
+        </p:txBody>
+      </p:sp>
+      <p:sp>
+        <p:nvSpPr>
+          <p:cNvPr id="3" name="Content Placeholder 2"/>
+          <p:cNvSpPr>
+            <a:spLocks noGrp="1"/>
+          </p:cNvSpPr>
+          <p:nvPr>
+            <p:ph idx="1"/>
+          </p:nvPr>
+        </p:nvSpPr>
+        <p:spPr>
+          <a:xfrm>
+            <a:off x="198120" y="1120140"/>
+            <a:ext cx="8317230" cy="5445760"/>
+          </a:xfrm>
+        </p:spPr>
+        <p:txBody>
+          <a:bodyPr>
+            <a:normAutofit fontScale="80000"/>
+          </a:bodyPr>
+          <a:p>
+            <a:pPr marL="0" indent="0">
+              <a:buNone/>
+            </a:pPr>
+            <a:r>
+              <a:rPr lang="en-US" altLang="en-US"/>
+              <a:t>Tree transformations </a:t>
+            </a:r>
+            <a:endParaRPr lang="en-US" altLang="en-US"/>
+          </a:p>
+          <a:p>
+            <a:pPr marL="0" indent="0">
+              <a:buNone/>
+            </a:pPr>
+            <a:r>
+              <a:rPr lang="en-US" altLang="en-US"/>
+              <a:t>	</a:t>
+            </a:r>
+            <a:r>
+              <a:rPr lang="en-US" altLang="en-US">
+                <a:latin typeface="Arial" panose="020B0604020202020204" pitchFamily="34" charset="0"/>
+                <a:cs typeface="Arial" panose="020B0604020202020204" pitchFamily="34" charset="0"/>
+              </a:rPr>
+              <a:t>λ - </a:t>
+            </a:r>
+            <a:r>
+              <a:rPr lang="en-US" altLang="en-US">
+                <a:cs typeface="Arial" panose="020B0604020202020204" pitchFamily="34" charset="0"/>
+              </a:rPr>
+              <a:t>“non phylogenetic slop” (heritability)</a:t>
+            </a:r>
+            <a:endParaRPr lang="en-US" altLang="en-US">
+              <a:cs typeface="Arial" panose="020B0604020202020204" pitchFamily="34" charset="0"/>
+            </a:endParaRPr>
+          </a:p>
+          <a:p>
+            <a:pPr marL="0" indent="0">
+              <a:buNone/>
+            </a:pPr>
+            <a:r>
+              <a:rPr lang="en-US" altLang="en-US">
+                <a:cs typeface="Arial" panose="020B0604020202020204" pitchFamily="34" charset="0"/>
+              </a:rPr>
+              <a:t>		= 1 BM</a:t>
+            </a:r>
+            <a:endParaRPr lang="en-US" altLang="en-US">
+              <a:cs typeface="Arial" panose="020B0604020202020204" pitchFamily="34" charset="0"/>
+            </a:endParaRPr>
+          </a:p>
+          <a:p>
+            <a:pPr marL="0" indent="0">
+              <a:buNone/>
+            </a:pPr>
+            <a:r>
+              <a:rPr lang="en-US" altLang="en-US">
+                <a:cs typeface="Arial" panose="020B0604020202020204" pitchFamily="34" charset="0"/>
+              </a:rPr>
+              <a:t>		= 0 No tree structure</a:t>
+            </a:r>
+            <a:endParaRPr lang="en-US" altLang="en-US">
+              <a:cs typeface="Arial" panose="020B0604020202020204" pitchFamily="34" charset="0"/>
+            </a:endParaRPr>
+          </a:p>
+          <a:p>
+            <a:pPr marL="0" indent="0">
+              <a:buNone/>
+            </a:pPr>
+            <a:r>
+              <a:rPr lang="en-US" altLang="en-US">
+                <a:latin typeface="Arial" panose="020B0604020202020204" pitchFamily="34" charset="0"/>
+                <a:cs typeface="Arial" panose="020B0604020202020204" pitchFamily="34" charset="0"/>
+              </a:rPr>
+              <a:t>	</a:t>
+            </a:r>
+            <a:r>
+              <a:rPr lang="en-US" altLang="en-US">
+                <a:cs typeface="Arial" panose="020B0604020202020204" pitchFamily="34" charset="0"/>
+              </a:rPr>
+              <a:t>κ - Speciatiational</a:t>
+            </a:r>
+            <a:endParaRPr lang="en-US" altLang="en-US">
+              <a:cs typeface="Arial" panose="020B0604020202020204" pitchFamily="34" charset="0"/>
+            </a:endParaRPr>
+          </a:p>
+          <a:p>
+            <a:pPr marL="0" indent="0">
+              <a:buNone/>
+            </a:pPr>
+            <a:r>
+              <a:rPr lang="en-US" altLang="en-US">
+                <a:cs typeface="Arial" panose="020B0604020202020204" pitchFamily="34" charset="0"/>
+              </a:rPr>
+              <a:t>		= 1 BM</a:t>
+            </a:r>
+            <a:endParaRPr lang="en-US" altLang="en-US">
+              <a:cs typeface="Arial" panose="020B0604020202020204" pitchFamily="34" charset="0"/>
+            </a:endParaRPr>
+          </a:p>
+          <a:p>
+            <a:pPr marL="0" indent="0">
+              <a:buNone/>
+            </a:pPr>
+            <a:r>
+              <a:rPr lang="en-US" altLang="en-US">
+                <a:cs typeface="Arial" panose="020B0604020202020204" pitchFamily="34" charset="0"/>
+              </a:rPr>
+              <a:t>		= 0 Only speciational</a:t>
+            </a:r>
+            <a:endParaRPr lang="en-US" altLang="en-US">
+              <a:cs typeface="Arial" panose="020B0604020202020204" pitchFamily="34" charset="0"/>
+            </a:endParaRPr>
+          </a:p>
+          <a:p>
+            <a:pPr marL="0" indent="0">
+              <a:buNone/>
+            </a:pPr>
+            <a:r>
+              <a:rPr lang="en-US" altLang="en-US">
+                <a:cs typeface="Arial" panose="020B0604020202020204" pitchFamily="34" charset="0"/>
+              </a:rPr>
+              <a:t>	δ - Node heights raised/lowered to 	power of delta</a:t>
+            </a:r>
+            <a:endParaRPr lang="en-US" altLang="en-US">
+              <a:cs typeface="Arial" panose="020B0604020202020204" pitchFamily="34" charset="0"/>
+            </a:endParaRPr>
+          </a:p>
+          <a:p>
+            <a:pPr marL="0" indent="0">
+              <a:buNone/>
+            </a:pPr>
+            <a:r>
+              <a:rPr lang="en-US" altLang="en-US">
+                <a:cs typeface="Arial" panose="020B0604020202020204" pitchFamily="34" charset="0"/>
+              </a:rPr>
+              <a:t>		= 1 BM</a:t>
+            </a:r>
+            <a:endParaRPr lang="en-US" altLang="en-US">
+              <a:cs typeface="Arial" panose="020B0604020202020204" pitchFamily="34" charset="0"/>
+            </a:endParaRPr>
+          </a:p>
+          <a:p>
+            <a:pPr marL="0" indent="0">
+              <a:buNone/>
+            </a:pPr>
+            <a:r>
+              <a:rPr lang="en-US" altLang="en-US">
+                <a:cs typeface="Arial" panose="020B0604020202020204" pitchFamily="34" charset="0"/>
+              </a:rPr>
+              <a:t>		&gt; 1 Accelerating</a:t>
+            </a:r>
+            <a:endParaRPr lang="en-US" altLang="en-US">
+              <a:cs typeface="Arial" panose="020B0604020202020204" pitchFamily="34" charset="0"/>
+            </a:endParaRPr>
+          </a:p>
+          <a:p>
+            <a:pPr marL="0" indent="0">
+              <a:buNone/>
+            </a:pPr>
+            <a:r>
+              <a:rPr lang="en-US" altLang="en-US">
+                <a:cs typeface="Arial" panose="020B0604020202020204" pitchFamily="34" charset="0"/>
+              </a:rPr>
+              <a:t>		&lt;1 Decelerating</a:t>
+            </a:r>
+            <a:endParaRPr lang="en-US" altLang="en-US">
+              <a:cs typeface="Arial" panose="020B0604020202020204" pitchFamily="34" charset="0"/>
+            </a:endParaRPr>
+          </a:p>
+          <a:p>
+            <a:pPr marL="0" indent="0">
+              <a:buNone/>
+            </a:pPr>
+            <a:r>
+              <a:rPr lang="en-US" altLang="en-US">
+                <a:cs typeface="Arial" panose="020B0604020202020204" pitchFamily="34" charset="0"/>
+              </a:rPr>
+              <a:t>	Ornstein-Uhlenbeck - We will cover a lot more later!</a:t>
+            </a:r>
+            <a:endParaRPr lang="en-US" altLang="en-US">
+              <a:cs typeface="Arial" panose="020B0604020202020204" pitchFamily="34" charset="0"/>
+            </a:endParaRPr>
+          </a:p>
+        </p:txBody>
+      </p:sp>
+    </p:spTree>
+  </p:cSld>
+  <p:clrMapOvr>
+    <a:masterClrMapping/>
+  </p:clrMapOvr>
+</p:sld>
+</file>
+
+<file path=ppt/slides/slide14.xml><?xml version="1.0" encoding="utf-8"?>
+<p:sld xmlns:a="http://schemas.openxmlformats.org/drawingml/2006/main" xmlns:r="http://schemas.openxmlformats.org/officeDocument/2006/relationships" xmlns:p="http://schemas.openxmlformats.org/presentationml/2006/main">
+  <p:cSld>
+    <p:spTree>
+      <p:nvGrpSpPr>
+        <p:cNvPr id="1" name=""/>
+        <p:cNvGrpSpPr/>
+        <p:nvPr/>
+      </p:nvGrpSpPr>
+      <p:grpSpPr/>
+      <p:pic>
+        <p:nvPicPr>
+          <p:cNvPr id="4" name="Content Placeholder 3"/>
+          <p:cNvPicPr>
+            <a:picLocks noChangeAspect="1"/>
+          </p:cNvPicPr>
+          <p:nvPr>
+            <p:ph idx="1"/>
+          </p:nvPr>
+        </p:nvPicPr>
+        <p:blipFill>
+          <a:blip r:embed="rId1"/>
+          <a:stretch>
+            <a:fillRect/>
+          </a:stretch>
+        </p:blipFill>
+        <p:spPr>
+          <a:xfrm>
+            <a:off x="155575" y="545465"/>
+            <a:ext cx="8595360" cy="5909945"/>
+          </a:xfrm>
+          <a:prstGeom prst="rect">
+            <a:avLst/>
+          </a:prstGeom>
+        </p:spPr>
+      </p:pic>
+      <p:sp>
+        <p:nvSpPr>
+          <p:cNvPr id="2" name="Title 1"/>
+          <p:cNvSpPr>
+            <a:spLocks noGrp="1"/>
+          </p:cNvSpPr>
+          <p:nvPr>
+            <p:ph type="title"/>
+          </p:nvPr>
+        </p:nvSpPr>
+        <p:spPr>
+          <a:xfrm>
+            <a:off x="628650" y="365125"/>
+            <a:ext cx="7886700" cy="458470"/>
+          </a:xfrm>
+        </p:spPr>
+        <p:txBody>
+          <a:bodyPr>
+            <a:normAutofit fontScale="90000"/>
+          </a:bodyPr>
+          <a:p>
+            <a:pPr algn="ctr"/>
+            <a:r>
+              <a:rPr lang="" altLang="en-US"/>
+              <a:t>Tree transformations</a:t>
+            </a:r>
+            <a:endParaRPr lang="" altLang="en-US"/>
+          </a:p>
+        </p:txBody>
+      </p:sp>
+      <p:pic>
+        <p:nvPicPr>
+          <p:cNvPr id="5" name="Picture 4"/>
+          <p:cNvPicPr>
+            <a:picLocks noChangeAspect="1"/>
+          </p:cNvPicPr>
+          <p:nvPr/>
+        </p:nvPicPr>
+        <p:blipFill>
+          <a:blip r:embed="rId2"/>
+          <a:stretch>
+            <a:fillRect/>
+          </a:stretch>
+        </p:blipFill>
+        <p:spPr>
+          <a:xfrm>
+            <a:off x="562610" y="2938145"/>
+            <a:ext cx="2524760" cy="982345"/>
+          </a:xfrm>
+          <a:prstGeom prst="rect">
+            <a:avLst/>
+          </a:prstGeom>
+        </p:spPr>
+      </p:pic>
+      <p:pic>
+        <p:nvPicPr>
+          <p:cNvPr id="6" name="Picture 5"/>
+          <p:cNvPicPr>
+            <a:picLocks noChangeAspect="1"/>
+          </p:cNvPicPr>
+          <p:nvPr/>
+        </p:nvPicPr>
+        <p:blipFill>
+          <a:blip r:embed="rId3"/>
+          <a:stretch>
+            <a:fillRect/>
+          </a:stretch>
+        </p:blipFill>
+        <p:spPr>
+          <a:xfrm>
+            <a:off x="3298825" y="6058535"/>
+            <a:ext cx="1870075" cy="675005"/>
+          </a:xfrm>
+          <a:prstGeom prst="rect">
+            <a:avLst/>
+          </a:prstGeom>
+        </p:spPr>
+      </p:pic>
+    </p:spTree>
+  </p:cSld>
+  <p:clrMapOvr>
+    <a:masterClrMapping/>
+  </p:clrMapOvr>
+</p:sld>
+</file>
+
+<file path=ppt/slides/slide15.xml><?xml version="1.0" encoding="utf-8"?>
+<p:sld xmlns:a="http://schemas.openxmlformats.org/drawingml/2006/main" xmlns:r="http://schemas.openxmlformats.org/officeDocument/2006/relationships" xmlns:p="http://schemas.openxmlformats.org/presentationml/2006/main">
+  <p:cSld>
+    <p:spTree>
+      <p:nvGrpSpPr>
+        <p:cNvPr id="1" name=""/>
+        <p:cNvGrpSpPr/>
+        <p:nvPr/>
+      </p:nvGrpSpPr>
+      <p:grpSpPr/>
+      <p:sp>
+        <p:nvSpPr>
+          <p:cNvPr id="2" name="Title 1"/>
+          <p:cNvSpPr>
+            <a:spLocks noGrp="1"/>
+          </p:cNvSpPr>
+          <p:nvPr>
+            <p:ph type="title"/>
+          </p:nvPr>
+        </p:nvSpPr>
         <p:spPr/>
         <p:txBody>
           <a:bodyPr/>
           <a:p>
             <a:r>
-              <a:rPr lang="" altLang="en-US"/>
+              <a:rPr lang="en-US" altLang="en-US"/>
               <a:t>Model adequacy</a:t>
             </a:r>
-            <a:endParaRPr lang="" altLang="en-US"/>
+            <a:endParaRPr lang="en-US" altLang="en-US"/>
           </a:p>
         </p:txBody>
       </p:sp>
@@ -6405,7 +7000,7 @@
 </p:sld>
 </file>
 
-<file path=ppt/slides/slide14.xml><?xml version="1.0" encoding="utf-8"?>
+<file path=ppt/slides/slide16.xml><?xml version="1.0" encoding="utf-8"?>
 <p:sld xmlns:a="http://schemas.openxmlformats.org/drawingml/2006/main" xmlns:r="http://schemas.openxmlformats.org/officeDocument/2006/relationships" xmlns:p="http://schemas.openxmlformats.org/presentationml/2006/main">
   <p:cSld>
     <p:spTree>
@@ -6435,10 +7030,10 @@
           <a:bodyPr/>
           <a:p>
             <a:r>
-              <a:rPr lang="" altLang="en-US"/>
+              <a:rPr lang="en-US" altLang="en-US"/>
               <a:t>Node-Height test</a:t>
             </a:r>
-            <a:endParaRPr lang="" altLang="en-US"/>
+            <a:endParaRPr lang="en-US" altLang="en-US"/>
           </a:p>
         </p:txBody>
       </p:sp>
@@ -6465,46 +7060,46 @@
               <a:buNone/>
             </a:pPr>
             <a:r>
-              <a:rPr lang="" altLang="en-US"/>
+              <a:rPr lang="en-US" altLang="en-US"/>
               <a:t>Slope = 0: BM prediction</a:t>
             </a:r>
-            <a:endParaRPr lang="" altLang="en-US"/>
+            <a:endParaRPr lang="en-US" altLang="en-US"/>
           </a:p>
           <a:p>
             <a:pPr marL="0" indent="0">
               <a:buNone/>
             </a:pPr>
             <a:r>
-              <a:rPr lang="" altLang="en-US"/>
+              <a:rPr lang="en-US" altLang="en-US"/>
               <a:t>Positive - OU-like</a:t>
             </a:r>
-            <a:endParaRPr lang="" altLang="en-US"/>
+            <a:endParaRPr lang="en-US" altLang="en-US"/>
           </a:p>
           <a:p>
             <a:pPr marL="0" indent="0">
               <a:buNone/>
             </a:pPr>
             <a:r>
-              <a:rPr lang="" altLang="en-US"/>
+              <a:rPr lang="en-US" altLang="en-US"/>
               <a:t>Negative - Early burst like</a:t>
             </a:r>
-            <a:endParaRPr lang="" altLang="en-US"/>
+            <a:endParaRPr lang="en-US" altLang="en-US"/>
           </a:p>
           <a:p>
             <a:pPr marL="0" indent="0">
               <a:buNone/>
             </a:pPr>
             <a:r>
-              <a:rPr lang="" altLang="en-US"/>
+              <a:rPr lang="en-US" altLang="en-US"/>
               <a:t>Outliers - Not BM!</a:t>
             </a:r>
-            <a:endParaRPr lang="" altLang="en-US"/>
+            <a:endParaRPr lang="en-US" altLang="en-US"/>
           </a:p>
           <a:p>
             <a:pPr marL="0" indent="0">
               <a:buNone/>
             </a:pPr>
-            <a:endParaRPr lang="" altLang="en-US"/>
+            <a:endParaRPr lang="en-US" altLang="en-US"/>
           </a:p>
         </p:txBody>
       </p:sp>
@@ -6540,7 +7135,7 @@
 </p:sld>
 </file>
 
-<file path=ppt/slides/slide15.xml><?xml version="1.0" encoding="utf-8"?>
+<file path=ppt/slides/slide17.xml><?xml version="1.0" encoding="utf-8"?>
 <p:sld xmlns:a="http://schemas.openxmlformats.org/drawingml/2006/main" xmlns:r="http://schemas.openxmlformats.org/officeDocument/2006/relationships" xmlns:p="http://schemas.openxmlformats.org/presentationml/2006/main">
   <p:cSld>
     <p:spTree>
@@ -6565,10 +7160,10 @@
           <a:bodyPr/>
           <a:p>
             <a:r>
-              <a:rPr lang="" altLang="en-US"/>
+              <a:rPr lang="en-US" altLang="en-US"/>
               <a:t>What will be the effects if:</a:t>
             </a:r>
-            <a:endParaRPr lang="" altLang="en-US"/>
+            <a:endParaRPr lang="en-US" altLang="en-US"/>
           </a:p>
         </p:txBody>
       </p:sp>
@@ -6590,61 +7185,134 @@
               <a:buNone/>
             </a:pPr>
             <a:r>
-              <a:rPr lang="" altLang="en-US"/>
+              <a:rPr lang="en-US" altLang="en-US"/>
               <a:t>You don't have a fully resolved tree? </a:t>
             </a:r>
-            <a:endParaRPr lang="" altLang="en-US"/>
+            <a:endParaRPr lang="en-US" altLang="en-US"/>
           </a:p>
           <a:p>
             <a:pPr marL="0" indent="0">
               <a:buNone/>
             </a:pPr>
-            <a:endParaRPr lang="" altLang="en-US"/>
+            <a:endParaRPr lang="en-US" altLang="en-US"/>
           </a:p>
           <a:p>
             <a:pPr marL="0" indent="0">
               <a:buNone/>
             </a:pPr>
             <a:r>
-              <a:rPr lang="" altLang="en-US"/>
+              <a:rPr lang="en-US" altLang="en-US"/>
               <a:t>You have a tree with error? </a:t>
             </a:r>
-            <a:endParaRPr lang="" altLang="en-US"/>
+            <a:endParaRPr lang="en-US" altLang="en-US"/>
           </a:p>
           <a:p>
             <a:pPr marL="0" indent="0">
               <a:buNone/>
             </a:pPr>
-            <a:endParaRPr lang="" altLang="en-US"/>
+            <a:endParaRPr lang="en-US" altLang="en-US"/>
           </a:p>
           <a:p>
             <a:pPr marL="0" indent="0">
               <a:buNone/>
             </a:pPr>
             <a:r>
-              <a:rPr lang="" altLang="en-US"/>
+              <a:rPr lang="en-US" altLang="en-US"/>
               <a:t>You have Y values with error? </a:t>
             </a:r>
-            <a:endParaRPr lang="" altLang="en-US"/>
+            <a:endParaRPr lang="en-US" altLang="en-US"/>
           </a:p>
           <a:p>
             <a:pPr marL="0" indent="0">
               <a:buNone/>
             </a:pPr>
-            <a:endParaRPr lang="" altLang="en-US"/>
+            <a:endParaRPr lang="en-US" altLang="en-US"/>
           </a:p>
           <a:p>
             <a:pPr marL="0" indent="0">
               <a:buNone/>
             </a:pPr>
             <a:r>
-              <a:rPr lang="" altLang="en-US"/>
+              <a:rPr lang="en-US" altLang="en-US"/>
               <a:t>You have X values with error? </a:t>
             </a:r>
-            <a:endParaRPr lang="" altLang="en-US"/>
-          </a:p>
-        </p:txBody>
-      </p:sp>
+            <a:endParaRPr lang="en-US" altLang="en-US"/>
+          </a:p>
+        </p:txBody>
+      </p:sp>
+    </p:spTree>
+  </p:cSld>
+  <p:clrMapOvr>
+    <a:masterClrMapping/>
+  </p:clrMapOvr>
+</p:sld>
+</file>
+
+<file path=ppt/slides/slide18.xml><?xml version="1.0" encoding="utf-8"?>
+<p:sld xmlns:a="http://schemas.openxmlformats.org/drawingml/2006/main" xmlns:r="http://schemas.openxmlformats.org/officeDocument/2006/relationships" xmlns:p="http://schemas.openxmlformats.org/presentationml/2006/main">
+  <p:cSld>
+    <p:spTree>
+      <p:nvGrpSpPr>
+        <p:cNvPr id="1" name=""/>
+        <p:cNvGrpSpPr/>
+        <p:nvPr/>
+      </p:nvGrpSpPr>
+      <p:grpSpPr/>
+      <p:sp>
+        <p:nvSpPr>
+          <p:cNvPr id="2" name="Title 1"/>
+          <p:cNvSpPr>
+            <a:spLocks noGrp="1"/>
+          </p:cNvSpPr>
+          <p:nvPr>
+            <p:ph type="title"/>
+          </p:nvPr>
+        </p:nvSpPr>
+        <p:spPr>
+          <a:xfrm>
+            <a:off x="6040755" y="365125"/>
+            <a:ext cx="2474595" cy="1325880"/>
+          </a:xfrm>
+        </p:spPr>
+        <p:txBody>
+          <a:bodyPr>
+            <a:normAutofit fontScale="90000"/>
+          </a:bodyPr>
+          <a:p>
+            <a:r>
+              <a:rPr lang="" altLang="en-US" sz="2000"/>
+              <a:t>Give me your best estimate of the evolutionary rate (back of the napkin calculation)</a:t>
+            </a:r>
+            <a:endParaRPr lang="" altLang="en-US" sz="2000"/>
+          </a:p>
+        </p:txBody>
+      </p:sp>
+      <p:pic>
+        <p:nvPicPr>
+          <p:cNvPr id="4" name="Content Placeholder 3"/>
+          <p:cNvPicPr>
+            <a:picLocks noChangeAspect="1"/>
+          </p:cNvPicPr>
+          <p:nvPr>
+            <p:ph idx="1"/>
+          </p:nvPr>
+        </p:nvPicPr>
+        <p:blipFill>
+          <a:blip r:embed="rId1"/>
+          <a:stretch>
+            <a:fillRect/>
+          </a:stretch>
+        </p:blipFill>
+        <p:spPr>
+          <a:xfrm>
+            <a:off x="113030" y="112395"/>
+            <a:ext cx="5928360" cy="5928360"/>
+          </a:xfrm>
+          <a:prstGeom prst="rect">
+            <a:avLst/>
+          </a:prstGeom>
+        </p:spPr>
+      </p:pic>
     </p:spTree>
   </p:cSld>
   <p:clrMapOvr>
@@ -6654,6 +7322,234 @@
 </file>
 
 <file path=ppt/slides/slide2.xml><?xml version="1.0" encoding="utf-8"?>
+<p:sld xmlns:a="http://schemas.openxmlformats.org/drawingml/2006/main" xmlns:r="http://schemas.openxmlformats.org/officeDocument/2006/relationships" xmlns:p="http://schemas.openxmlformats.org/presentationml/2006/main">
+  <p:cSld>
+    <p:spTree>
+      <p:nvGrpSpPr>
+        <p:cNvPr id="1" name=""/>
+        <p:cNvGrpSpPr/>
+        <p:nvPr/>
+      </p:nvGrpSpPr>
+      <p:grpSpPr/>
+      <p:pic>
+        <p:nvPicPr>
+          <p:cNvPr id="4" name="Picture 3"/>
+          <p:cNvPicPr>
+            <a:picLocks noChangeAspect="1"/>
+          </p:cNvPicPr>
+          <p:nvPr/>
+        </p:nvPicPr>
+        <p:blipFill>
+          <a:blip r:embed="rId1">
+            <a:lum contrast="24000"/>
+          </a:blip>
+          <a:stretch>
+            <a:fillRect/>
+          </a:stretch>
+        </p:blipFill>
+        <p:spPr>
+          <a:xfrm>
+            <a:off x="3810000" y="4907280"/>
+            <a:ext cx="3324860" cy="1509395"/>
+          </a:xfrm>
+          <a:prstGeom prst="rect">
+            <a:avLst/>
+          </a:prstGeom>
+        </p:spPr>
+      </p:pic>
+      <p:sp>
+        <p:nvSpPr>
+          <p:cNvPr id="2" name="Title 1"/>
+          <p:cNvSpPr>
+            <a:spLocks noGrp="1"/>
+          </p:cNvSpPr>
+          <p:nvPr>
+            <p:ph type="title"/>
+          </p:nvPr>
+        </p:nvSpPr>
+        <p:spPr/>
+        <p:txBody>
+          <a:bodyPr>
+            <a:normAutofit fontScale="90000"/>
+          </a:bodyPr>
+          <a:p>
+            <a:r>
+              <a:rPr lang="en-US" altLang="en-US"/>
+              <a:t>Multivariate Brownian Motion</a:t>
+            </a:r>
+            <a:endParaRPr lang="en-US" altLang="en-US"/>
+          </a:p>
+        </p:txBody>
+      </p:sp>
+      <p:sp>
+        <p:nvSpPr>
+          <p:cNvPr id="3" name="Content Placeholder 2"/>
+          <p:cNvSpPr>
+            <a:spLocks noGrp="1"/>
+          </p:cNvSpPr>
+          <p:nvPr>
+            <p:ph idx="1"/>
+          </p:nvPr>
+        </p:nvSpPr>
+        <p:spPr/>
+        <p:txBody>
+          <a:bodyPr/>
+          <a:p>
+            <a:pPr marL="0" indent="0">
+              <a:buNone/>
+            </a:pPr>
+            <a:r>
+              <a:rPr lang="en-US" altLang="en-US"/>
+              <a:t>Univariate:</a:t>
+            </a:r>
+            <a:endParaRPr lang="en-US" altLang="en-US"/>
+          </a:p>
+          <a:p>
+            <a:pPr marL="0" indent="0">
+              <a:buNone/>
+            </a:pPr>
+            <a:r>
+              <a:rPr lang="en-US" altLang="en-US"/>
+              <a:t>	root = </a:t>
+            </a:r>
+            <a:r>
+              <a:rPr lang="en-US" altLang="en-US">
+                <a:cs typeface="Arial" panose="020B0604020202020204" pitchFamily="34" charset="0"/>
+              </a:rPr>
+              <a:t>μ</a:t>
+            </a:r>
+            <a:endParaRPr lang="en-US" altLang="en-US">
+              <a:cs typeface="Arial" panose="020B0604020202020204" pitchFamily="34" charset="0"/>
+            </a:endParaRPr>
+          </a:p>
+          <a:p>
+            <a:pPr marL="0" indent="0">
+              <a:buNone/>
+            </a:pPr>
+            <a:r>
+              <a:rPr lang="en-US" altLang="en-US">
+                <a:cs typeface="Arial" panose="020B0604020202020204" pitchFamily="34" charset="0"/>
+              </a:rPr>
+              <a:t>	step variance = σ</a:t>
+            </a:r>
+            <a:r>
+              <a:rPr lang="en-US" altLang="en-US" baseline="30000">
+                <a:cs typeface="Arial" panose="020B0604020202020204" pitchFamily="34" charset="0"/>
+              </a:rPr>
+              <a:t>2</a:t>
+            </a:r>
+            <a:endParaRPr lang="en-US" altLang="en-US" baseline="30000">
+              <a:cs typeface="Arial" panose="020B0604020202020204" pitchFamily="34" charset="0"/>
+            </a:endParaRPr>
+          </a:p>
+          <a:p>
+            <a:pPr marL="0" indent="0">
+              <a:buNone/>
+            </a:pPr>
+            <a:endParaRPr lang="en-US" altLang="en-US" baseline="30000">
+              <a:cs typeface="Arial" panose="020B0604020202020204" pitchFamily="34" charset="0"/>
+            </a:endParaRPr>
+          </a:p>
+          <a:p>
+            <a:pPr marL="0" indent="0">
+              <a:buNone/>
+            </a:pPr>
+            <a:r>
+              <a:rPr lang="en-US" altLang="en-US">
+                <a:cs typeface="Arial" panose="020B0604020202020204" pitchFamily="34" charset="0"/>
+              </a:rPr>
+              <a:t>Multivariate (N traits):</a:t>
+            </a:r>
+            <a:endParaRPr lang="en-US" altLang="en-US">
+              <a:cs typeface="Arial" panose="020B0604020202020204" pitchFamily="34" charset="0"/>
+            </a:endParaRPr>
+          </a:p>
+          <a:p>
+            <a:pPr marL="0" indent="0">
+              <a:buNone/>
+            </a:pPr>
+            <a:r>
+              <a:rPr lang="en-US" altLang="en-US">
+                <a:cs typeface="Arial" panose="020B0604020202020204" pitchFamily="34" charset="0"/>
+              </a:rPr>
+              <a:t>	root = c(</a:t>
+            </a:r>
+            <a:r>
+              <a:rPr lang="en-US" altLang="en-US">
+                <a:cs typeface="Arial" panose="020B0604020202020204" pitchFamily="34" charset="0"/>
+                <a:sym typeface="+mn-ea"/>
+              </a:rPr>
+              <a:t>μ</a:t>
+            </a:r>
+            <a:r>
+              <a:rPr lang="en-US" altLang="en-US" baseline="-25000">
+                <a:cs typeface="Arial" panose="020B0604020202020204" pitchFamily="34" charset="0"/>
+                <a:sym typeface="+mn-ea"/>
+              </a:rPr>
+              <a:t>1</a:t>
+            </a:r>
+            <a:r>
+              <a:rPr lang="en-US" altLang="en-US">
+                <a:cs typeface="Arial" panose="020B0604020202020204" pitchFamily="34" charset="0"/>
+                <a:sym typeface="+mn-ea"/>
+              </a:rPr>
+              <a:t>, ..., μ</a:t>
+            </a:r>
+            <a:r>
+              <a:rPr lang="en-US" altLang="en-US" baseline="-25000">
+                <a:cs typeface="Arial" panose="020B0604020202020204" pitchFamily="34" charset="0"/>
+                <a:sym typeface="+mn-ea"/>
+              </a:rPr>
+              <a:t>N</a:t>
+            </a:r>
+            <a:r>
+              <a:rPr lang="en-US" altLang="en-US">
+                <a:cs typeface="Arial" panose="020B0604020202020204" pitchFamily="34" charset="0"/>
+                <a:sym typeface="+mn-ea"/>
+              </a:rPr>
+              <a:t>)</a:t>
+            </a:r>
+            <a:endParaRPr lang="en-US" altLang="en-US">
+              <a:cs typeface="Arial" panose="020B0604020202020204" pitchFamily="34" charset="0"/>
+              <a:sym typeface="+mn-ea"/>
+            </a:endParaRPr>
+          </a:p>
+          <a:p>
+            <a:pPr marL="0" indent="0">
+              <a:buNone/>
+            </a:pPr>
+            <a:endParaRPr lang="en-US" altLang="en-US">
+              <a:cs typeface="Arial" panose="020B0604020202020204" pitchFamily="34" charset="0"/>
+              <a:sym typeface="+mn-ea"/>
+            </a:endParaRPr>
+          </a:p>
+          <a:p>
+            <a:pPr marL="0" indent="0">
+              <a:buNone/>
+            </a:pPr>
+            <a:r>
+              <a:rPr lang="en-US" altLang="en-US">
+                <a:cs typeface="Arial" panose="020B0604020202020204" pitchFamily="34" charset="0"/>
+                <a:sym typeface="+mn-ea"/>
+              </a:rPr>
+              <a:t>	step variance = </a:t>
+            </a:r>
+            <a:endParaRPr lang="en-US" altLang="en-US">
+              <a:cs typeface="Arial" panose="020B0604020202020204" pitchFamily="34" charset="0"/>
+              <a:sym typeface="+mn-ea"/>
+            </a:endParaRPr>
+          </a:p>
+        </p:txBody>
+      </p:sp>
+    </p:spTree>
+  </p:cSld>
+  <p:clrMapOvr>
+    <a:masterClrMapping/>
+  </p:clrMapOvr>
+</p:sld>
+</file>
+
+<file path=ppt/slides/slide3.xml><?xml version="1.0" encoding="utf-8"?>
 <p:sld xmlns:a="http://schemas.openxmlformats.org/drawingml/2006/main" xmlns:r="http://schemas.openxmlformats.org/officeDocument/2006/relationships" xmlns:p="http://schemas.openxmlformats.org/presentationml/2006/main">
   <p:cSld>
     <p:spTree>
@@ -6941,7 +7837,7 @@
 </p:sld>
 </file>
 
-<file path=ppt/slides/slide3.xml><?xml version="1.0" encoding="utf-8"?>
+<file path=ppt/slides/slide4.xml><?xml version="1.0" encoding="utf-8"?>
 <p:sld xmlns:a="http://schemas.openxmlformats.org/drawingml/2006/main" xmlns:r="http://schemas.openxmlformats.org/officeDocument/2006/relationships" xmlns:p="http://schemas.openxmlformats.org/presentationml/2006/main">
   <p:cSld>
     <p:spTree>
@@ -7003,7 +7899,7 @@
 </p:sld>
 </file>
 
-<file path=ppt/slides/slide4.xml><?xml version="1.0" encoding="utf-8"?>
+<file path=ppt/slides/slide5.xml><?xml version="1.0" encoding="utf-8"?>
 <p:sld xmlns:a="http://schemas.openxmlformats.org/drawingml/2006/main" xmlns:r="http://schemas.openxmlformats.org/officeDocument/2006/relationships" xmlns:p="http://schemas.openxmlformats.org/presentationml/2006/main">
   <p:cSld>
     <p:spTree>
@@ -7036,10 +7932,10 @@
           <a:p>
             <a:pPr algn="ctr"/>
             <a:r>
-              <a:rPr lang="" altLang="en-US" sz="3200"/>
+              <a:rPr lang="en-US" altLang="en-US" sz="3200"/>
               <a:t>What is meant by this passage? Why does Felsenstein make this argument?</a:t>
             </a:r>
-            <a:endParaRPr lang="" altLang="en-US" sz="3200"/>
+            <a:endParaRPr lang="en-US" altLang="en-US" sz="3200"/>
           </a:p>
         </p:txBody>
       </p:sp>
@@ -7078,7 +7974,7 @@
 </p:sld>
 </file>
 
-<file path=ppt/slides/slide5.xml><?xml version="1.0" encoding="utf-8"?>
+<file path=ppt/slides/slide6.xml><?xml version="1.0" encoding="utf-8"?>
 <p:sld xmlns:a="http://schemas.openxmlformats.org/drawingml/2006/main" xmlns:r="http://schemas.openxmlformats.org/officeDocument/2006/relationships" xmlns:p="http://schemas.openxmlformats.org/presentationml/2006/main">
   <p:cSld>
     <p:spTree>
@@ -7140,7 +8036,7 @@
 </p:sld>
 </file>
 
-<file path=ppt/slides/slide6.xml><?xml version="1.0" encoding="utf-8"?>
+<file path=ppt/slides/slide7.xml><?xml version="1.0" encoding="utf-8"?>
 <p:sld xmlns:a="http://schemas.openxmlformats.org/drawingml/2006/main" xmlns:r="http://schemas.openxmlformats.org/officeDocument/2006/relationships" xmlns:p="http://schemas.openxmlformats.org/presentationml/2006/main">
   <p:cSld>
     <p:spTree>
@@ -7202,131 +8098,6 @@
 </p:sld>
 </file>
 
-<file path=ppt/slides/slide7.xml><?xml version="1.0" encoding="utf-8"?>
-<p:sld xmlns:a="http://schemas.openxmlformats.org/drawingml/2006/main" xmlns:r="http://schemas.openxmlformats.org/officeDocument/2006/relationships" xmlns:p="http://schemas.openxmlformats.org/presentationml/2006/main">
-  <p:cSld>
-    <p:spTree>
-      <p:nvGrpSpPr>
-        <p:cNvPr id="1" name=""/>
-        <p:cNvGrpSpPr/>
-        <p:nvPr/>
-      </p:nvGrpSpPr>
-      <p:grpSpPr/>
-      <p:sp>
-        <p:nvSpPr>
-          <p:cNvPr id="2" name="Title 1"/>
-          <p:cNvSpPr>
-            <a:spLocks noGrp="1"/>
-          </p:cNvSpPr>
-          <p:nvPr>
-            <p:ph type="title"/>
-          </p:nvPr>
-        </p:nvSpPr>
-        <p:spPr/>
-        <p:txBody>
-          <a:bodyPr>
-            <a:normAutofit fontScale="90000"/>
-          </a:bodyPr>
-          <a:p>
-            <a:r>
-              <a:rPr lang="" altLang="en-US"/>
-              <a:t>Phylogenetically Independent Contrasts Regression</a:t>
-            </a:r>
-            <a:endParaRPr lang="" altLang="en-US"/>
-          </a:p>
-        </p:txBody>
-      </p:sp>
-      <p:sp>
-        <p:nvSpPr>
-          <p:cNvPr id="3" name="Content Placeholder 2"/>
-          <p:cNvSpPr>
-            <a:spLocks noGrp="1"/>
-          </p:cNvSpPr>
-          <p:nvPr>
-            <p:ph idx="1"/>
-          </p:nvPr>
-        </p:nvSpPr>
-        <p:spPr/>
-        <p:txBody>
-          <a:bodyPr>
-            <a:normAutofit lnSpcReduction="10000"/>
-          </a:bodyPr>
-          <a:p>
-            <a:pPr marL="0" indent="0">
-              <a:buNone/>
-            </a:pPr>
-            <a:r>
-              <a:rPr lang="" altLang="en-US"/>
-              <a:t>N-1 contrasts for N tips</a:t>
-            </a:r>
-            <a:endParaRPr lang="" altLang="en-US"/>
-          </a:p>
-          <a:p>
-            <a:pPr marL="0" indent="0">
-              <a:buNone/>
-            </a:pPr>
-            <a:endParaRPr lang="" altLang="en-US"/>
-          </a:p>
-          <a:p>
-            <a:pPr marL="0" indent="0">
-              <a:buNone/>
-            </a:pPr>
-            <a:r>
-              <a:rPr lang="" altLang="en-US"/>
-              <a:t>Regress Y ~ X (or X ~ Y) with </a:t>
-            </a:r>
-            <a:r>
-              <a:rPr lang="" altLang="en-US" i="1"/>
-              <a:t>intercept fit through the origin</a:t>
-            </a:r>
-            <a:endParaRPr lang="" altLang="en-US"/>
-          </a:p>
-          <a:p>
-            <a:pPr marL="0" indent="0">
-              <a:buNone/>
-            </a:pPr>
-            <a:endParaRPr lang="" altLang="en-US"/>
-          </a:p>
-          <a:p>
-            <a:pPr marL="0" indent="0">
-              <a:buNone/>
-            </a:pPr>
-            <a:r>
-              <a:rPr lang="" altLang="en-US"/>
-              <a:t>Assumes multivariate Brownian Motion of </a:t>
-            </a:r>
-            <a:r>
-              <a:rPr lang="" altLang="en-US" i="1"/>
-              <a:t>both X and Y </a:t>
-            </a:r>
-            <a:endParaRPr lang="" altLang="en-US" i="1"/>
-          </a:p>
-          <a:p>
-            <a:pPr marL="0" indent="0">
-              <a:buNone/>
-            </a:pPr>
-            <a:endParaRPr lang="" altLang="en-US" i="1"/>
-          </a:p>
-          <a:p>
-            <a:pPr marL="0" indent="0">
-              <a:buNone/>
-            </a:pPr>
-            <a:r>
-              <a:rPr lang="" altLang="en-US"/>
-              <a:t>Can incorporate measurement error in both X and Y (Felsenstein 2008)</a:t>
-            </a:r>
-            <a:endParaRPr lang="" altLang="en-US"/>
-          </a:p>
-        </p:txBody>
-      </p:sp>
-    </p:spTree>
-  </p:cSld>
-  <p:clrMapOvr>
-    <a:masterClrMapping/>
-  </p:clrMapOvr>
-</p:sld>
-</file>
-
 <file path=ppt/slides/slide8.xml><?xml version="1.0" encoding="utf-8"?>
 <p:sld xmlns:a="http://schemas.openxmlformats.org/drawingml/2006/main" xmlns:r="http://schemas.openxmlformats.org/officeDocument/2006/relationships" xmlns:p="http://schemas.openxmlformats.org/presentationml/2006/main">
   <p:cSld>
@@ -7347,49 +8118,103 @@
             <p:ph type="title"/>
           </p:nvPr>
         </p:nvSpPr>
-        <p:spPr>
-          <a:xfrm>
-            <a:off x="114935" y="365125"/>
-            <a:ext cx="8890000" cy="1325880"/>
-          </a:xfrm>
-        </p:spPr>
-        <p:txBody>
-          <a:bodyPr/>
-          <a:p>
-            <a:r>
-              <a:rPr lang="" altLang="en-US" sz="2800"/>
-              <a:t>Phylogenetic Generalized Least Squares Regression</a:t>
-            </a:r>
-            <a:endParaRPr lang="" altLang="en-US" sz="2800"/>
-          </a:p>
-        </p:txBody>
-      </p:sp>
-      <p:pic>
-        <p:nvPicPr>
-          <p:cNvPr id="4" name="Content Placeholder 3"/>
-          <p:cNvPicPr>
-            <a:picLocks noChangeAspect="1"/>
-          </p:cNvPicPr>
+        <p:spPr/>
+        <p:txBody>
+          <a:bodyPr>
+            <a:normAutofit fontScale="90000"/>
+          </a:bodyPr>
+          <a:p>
+            <a:r>
+              <a:rPr lang="en-US" altLang="en-US"/>
+              <a:t>Phylogenetically Independent Contrasts Regression</a:t>
+            </a:r>
+            <a:endParaRPr lang="en-US" altLang="en-US"/>
+          </a:p>
+        </p:txBody>
+      </p:sp>
+      <p:sp>
+        <p:nvSpPr>
+          <p:cNvPr id="3" name="Content Placeholder 2"/>
+          <p:cNvSpPr>
+            <a:spLocks noGrp="1"/>
+          </p:cNvSpPr>
           <p:nvPr>
             <p:ph idx="1"/>
           </p:nvPr>
-        </p:nvPicPr>
-        <p:blipFill>
-          <a:blip r:embed="rId1"/>
-          <a:stretch>
-            <a:fillRect/>
-          </a:stretch>
-        </p:blipFill>
-        <p:spPr>
-          <a:xfrm>
-            <a:off x="385445" y="1691005"/>
-            <a:ext cx="8453120" cy="3458210"/>
-          </a:xfrm>
-          <a:prstGeom prst="rect">
-            <a:avLst/>
-          </a:prstGeom>
-        </p:spPr>
-      </p:pic>
+        </p:nvSpPr>
+        <p:spPr/>
+        <p:txBody>
+          <a:bodyPr>
+            <a:normAutofit lnSpcReduction="10000"/>
+          </a:bodyPr>
+          <a:p>
+            <a:pPr marL="0" indent="0">
+              <a:buNone/>
+            </a:pPr>
+            <a:r>
+              <a:rPr lang="en-US" altLang="en-US"/>
+              <a:t>N-1 contrasts for N tips</a:t>
+            </a:r>
+            <a:endParaRPr lang="en-US" altLang="en-US"/>
+          </a:p>
+          <a:p>
+            <a:pPr marL="0" indent="0">
+              <a:buNone/>
+            </a:pPr>
+            <a:endParaRPr lang="en-US" altLang="en-US"/>
+          </a:p>
+          <a:p>
+            <a:pPr marL="0" indent="0">
+              <a:buNone/>
+            </a:pPr>
+            <a:r>
+              <a:rPr lang="en-US" altLang="en-US"/>
+              <a:t>Regress Y ~ X (or X ~ Y) with </a:t>
+            </a:r>
+            <a:r>
+              <a:rPr lang="en-US" altLang="en-US" i="1"/>
+              <a:t>intercept fit through the origin</a:t>
+            </a:r>
+            <a:endParaRPr lang="en-US" altLang="en-US"/>
+          </a:p>
+          <a:p>
+            <a:pPr marL="0" indent="0">
+              <a:buNone/>
+            </a:pPr>
+            <a:endParaRPr lang="en-US" altLang="en-US"/>
+          </a:p>
+          <a:p>
+            <a:pPr marL="0" indent="0">
+              <a:buNone/>
+            </a:pPr>
+            <a:r>
+              <a:rPr lang="en-US" altLang="en-US"/>
+              <a:t>Assumes multivariate Brownian Motion of </a:t>
+            </a:r>
+            <a:r>
+              <a:rPr lang="en-US" altLang="en-US" i="1"/>
+              <a:t>both X and Y </a:t>
+            </a:r>
+            <a:endParaRPr lang="en-US" altLang="en-US" i="1"/>
+          </a:p>
+          <a:p>
+            <a:pPr marL="0" indent="0">
+              <a:buNone/>
+            </a:pPr>
+            <a:endParaRPr lang="en-US" altLang="en-US" i="1"/>
+          </a:p>
+          <a:p>
+            <a:pPr marL="0" indent="0">
+              <a:buNone/>
+            </a:pPr>
+            <a:r>
+              <a:rPr lang="en-US" altLang="en-US"/>
+              <a:t>Can incorporate measurement error in both X and Y (Felsenstein 2008)</a:t>
+            </a:r>
+            <a:endParaRPr lang="en-US" altLang="en-US"/>
+          </a:p>
+        </p:txBody>
+      </p:sp>
     </p:spTree>
   </p:cSld>
   <p:clrMapOvr>
@@ -7418,15 +8243,20 @@
             <p:ph type="title"/>
           </p:nvPr>
         </p:nvSpPr>
-        <p:spPr/>
+        <p:spPr>
+          <a:xfrm>
+            <a:off x="114935" y="365125"/>
+            <a:ext cx="8890000" cy="1325880"/>
+          </a:xfrm>
+        </p:spPr>
         <p:txBody>
           <a:bodyPr/>
           <a:p>
             <a:r>
-              <a:rPr lang="" altLang="en-US"/>
-              <a:t>Turns out...</a:t>
-            </a:r>
-            <a:endParaRPr lang="" altLang="en-US"/>
+              <a:rPr lang="en-US" altLang="en-US" sz="2800"/>
+              <a:t>Phylogenetic Generalized Least Squares Regression</a:t>
+            </a:r>
+            <a:endParaRPr lang="en-US" altLang="en-US" sz="2800"/>
           </a:p>
         </p:txBody>
       </p:sp>
@@ -7448,8 +8278,8 @@
         </p:blipFill>
         <p:spPr>
           <a:xfrm>
-            <a:off x="21590" y="1839595"/>
-            <a:ext cx="9100185" cy="3178810"/>
+            <a:off x="385445" y="1691005"/>
+            <a:ext cx="8453120" cy="3458210"/>
           </a:xfrm>
           <a:prstGeom prst="rect">
             <a:avLst/>
@@ -7721,4 +8551,263 @@
     </a:ext>
   </a:extLst>
 </a:theme>
+</file>
+
+<file path=ppt/theme/theme2.xml><?xml version="1.0" encoding="utf-8"?>
+<a:theme xmlns:a="http://schemas.openxmlformats.org/drawingml/2006/main" name="Office Theme">
+  <a:themeElements>
+    <a:clrScheme name="Office">
+      <a:dk1>
+        <a:sysClr val="windowText" lastClr="000000"/>
+      </a:dk1>
+      <a:lt1>
+        <a:sysClr val="window" lastClr="FFFFFF"/>
+      </a:lt1>
+      <a:dk2>
+        <a:srgbClr val="44546A"/>
+      </a:dk2>
+      <a:lt2>
+        <a:srgbClr val="E7E6E6"/>
+      </a:lt2>
+      <a:accent1>
+        <a:srgbClr val="5B9BD5"/>
+      </a:accent1>
+      <a:accent2>
+        <a:srgbClr val="ED7D31"/>
+      </a:accent2>
+      <a:accent3>
+        <a:srgbClr val="A5A5A5"/>
+      </a:accent3>
+      <a:accent4>
+        <a:srgbClr val="FFC000"/>
+      </a:accent4>
+      <a:accent5>
+        <a:srgbClr val="4472C4"/>
+      </a:accent5>
+      <a:accent6>
+        <a:srgbClr val="70AD47"/>
+      </a:accent6>
+      <a:hlink>
+        <a:srgbClr val="0563C1"/>
+      </a:hlink>
+      <a:folHlink>
+        <a:srgbClr val="954F72"/>
+      </a:folHlink>
+    </a:clrScheme>
+    <a:fontScheme name="Office">
+      <a:majorFont>
+        <a:latin typeface="Calibri Light"/>
+        <a:ea typeface=""/>
+        <a:cs typeface=""/>
+        <a:font script="Jpan" typeface="ＭＳ Ｐゴシック"/>
+        <a:font script="Hang" typeface="맑은 고딕"/>
+        <a:font script="Hans" typeface="宋体"/>
+        <a:font script="Hant" typeface="新細明體"/>
+        <a:font script="Arab" typeface="Times New Roman"/>
+        <a:font script="Hebr" typeface="Times New Roman"/>
+        <a:font script="Thai" typeface="Angsana New"/>
+        <a:font script="Ethi" typeface="Nyala"/>
+        <a:font script="Beng" typeface="Vrinda"/>
+        <a:font script="Gujr" typeface="Shruti"/>
+        <a:font script="Khmr" typeface="MoolBoran"/>
+        <a:font script="Knda" typeface="Tunga"/>
+        <a:font script="Guru" typeface="Raavi"/>
+        <a:font script="Cans" typeface="Euphemia"/>
+        <a:font script="Cher" typeface="Plantagenet Cherokee"/>
+        <a:font script="Yiii" typeface="Microsoft Yi Baiti"/>
+        <a:font script="Tibt" typeface="Microsoft Himalaya"/>
+        <a:font script="Thaa" typeface="MV Boli"/>
+        <a:font script="Deva" typeface="Mangal"/>
+        <a:font script="Telu" typeface="Gautami"/>
+        <a:font script="Taml" typeface="Latha"/>
+        <a:font script="Syrc" typeface="Estrangelo Edessa"/>
+        <a:font script="Orya" typeface="Kalinga"/>
+        <a:font script="Mlym" typeface="Kartika"/>
+        <a:font script="Laoo" typeface="DokChampa"/>
+        <a:font script="Sinh" typeface="Iskoola Pota"/>
+        <a:font script="Mong" typeface="Mongolian Baiti"/>
+        <a:font script="Viet" typeface="Times New Roman"/>
+        <a:font script="Uigh" typeface="Microsoft Uighur"/>
+        <a:font script="Geor" typeface="Sylfaen"/>
+      </a:majorFont>
+      <a:minorFont>
+        <a:latin typeface="Calibri"/>
+        <a:ea typeface=""/>
+        <a:cs typeface=""/>
+        <a:font script="Jpan" typeface="ＭＳ Ｐゴシック"/>
+        <a:font script="Hang" typeface="맑은 고딕"/>
+        <a:font script="Hans" typeface="宋体"/>
+        <a:font script="Hant" typeface="新細明體"/>
+        <a:font script="Arab" typeface="Arial"/>
+        <a:font script="Hebr" typeface="Arial"/>
+        <a:font script="Thai" typeface="Cordia New"/>
+        <a:font script="Ethi" typeface="Nyala"/>
+        <a:font script="Beng" typeface="Vrinda"/>
+        <a:font script="Gujr" typeface="Shruti"/>
+        <a:font script="Khmr" typeface="DaunPenh"/>
+        <a:font script="Knda" typeface="Tunga"/>
+        <a:font script="Guru" typeface="Raavi"/>
+        <a:font script="Cans" typeface="Euphemia"/>
+        <a:font script="Cher" typeface="Plantagenet Cherokee"/>
+        <a:font script="Yiii" typeface="Microsoft Yi Baiti"/>
+        <a:font script="Tibt" typeface="Microsoft Himalaya"/>
+        <a:font script="Thaa" typeface="MV Boli"/>
+        <a:font script="Deva" typeface="Mangal"/>
+        <a:font script="Telu" typeface="Gautami"/>
+        <a:font script="Taml" typeface="Latha"/>
+        <a:font script="Syrc" typeface="Estrangelo Edessa"/>
+        <a:font script="Orya" typeface="Kalinga"/>
+        <a:font script="Mlym" typeface="Kartika"/>
+        <a:font script="Laoo" typeface="DokChampa"/>
+        <a:font script="Sinh" typeface="Iskoola Pota"/>
+        <a:font script="Mong" typeface="Mongolian Baiti"/>
+        <a:font script="Viet" typeface="Arial"/>
+        <a:font script="Uigh" typeface="Microsoft Uighur"/>
+        <a:font script="Geor" typeface="Sylfaen"/>
+      </a:minorFont>
+    </a:fontScheme>
+    <a:fmtScheme name="Office">
+      <a:fillStyleLst>
+        <a:solidFill>
+          <a:schemeClr val="phClr"/>
+        </a:solidFill>
+        <a:gradFill rotWithShape="1">
+          <a:gsLst>
+            <a:gs pos="0">
+              <a:schemeClr val="phClr">
+                <a:lumMod val="110000"/>
+                <a:satMod val="105000"/>
+                <a:tint val="67000"/>
+              </a:schemeClr>
+            </a:gs>
+            <a:gs pos="50000">
+              <a:schemeClr val="phClr">
+                <a:lumMod val="105000"/>
+                <a:satMod val="103000"/>
+                <a:tint val="73000"/>
+              </a:schemeClr>
+            </a:gs>
+            <a:gs pos="100000">
+              <a:schemeClr val="phClr">
+                <a:lumMod val="105000"/>
+                <a:satMod val="109000"/>
+                <a:tint val="81000"/>
+              </a:schemeClr>
+            </a:gs>
+          </a:gsLst>
+          <a:lin ang="5400000" scaled="0"/>
+        </a:gradFill>
+        <a:gradFill rotWithShape="1">
+          <a:gsLst>
+            <a:gs pos="0">
+              <a:schemeClr val="phClr">
+                <a:satMod val="103000"/>
+                <a:lumMod val="102000"/>
+                <a:tint val="94000"/>
+              </a:schemeClr>
+            </a:gs>
+            <a:gs pos="50000">
+              <a:schemeClr val="phClr">
+                <a:satMod val="110000"/>
+                <a:lumMod val="100000"/>
+                <a:shade val="100000"/>
+              </a:schemeClr>
+            </a:gs>
+            <a:gs pos="100000">
+              <a:schemeClr val="phClr">
+                <a:lumMod val="99000"/>
+                <a:satMod val="120000"/>
+                <a:shade val="78000"/>
+              </a:schemeClr>
+            </a:gs>
+          </a:gsLst>
+          <a:lin ang="5400000" scaled="0"/>
+        </a:gradFill>
+      </a:fillStyleLst>
+      <a:lnStyleLst>
+        <a:ln w="6350" cap="flat" cmpd="sng" algn="ctr">
+          <a:solidFill>
+            <a:schemeClr val="phClr"/>
+          </a:solidFill>
+          <a:prstDash val="solid"/>
+          <a:miter lim="800000"/>
+        </a:ln>
+        <a:ln w="12700" cap="flat" cmpd="sng" algn="ctr">
+          <a:solidFill>
+            <a:schemeClr val="phClr"/>
+          </a:solidFill>
+          <a:prstDash val="solid"/>
+          <a:miter lim="800000"/>
+        </a:ln>
+        <a:ln w="19050" cap="flat" cmpd="sng" algn="ctr">
+          <a:solidFill>
+            <a:schemeClr val="phClr"/>
+          </a:solidFill>
+          <a:prstDash val="solid"/>
+          <a:miter lim="800000"/>
+        </a:ln>
+      </a:lnStyleLst>
+      <a:effectStyleLst>
+        <a:effectStyle>
+          <a:effectLst/>
+        </a:effectStyle>
+        <a:effectStyle>
+          <a:effectLst/>
+        </a:effectStyle>
+        <a:effectStyle>
+          <a:effectLst>
+            <a:outerShdw blurRad="57150" dist="19050" dir="5400000" algn="ctr" rotWithShape="0">
+              <a:srgbClr val="000000">
+                <a:alpha val="63000"/>
+              </a:srgbClr>
+            </a:outerShdw>
+          </a:effectLst>
+        </a:effectStyle>
+      </a:effectStyleLst>
+      <a:bgFillStyleLst>
+        <a:solidFill>
+          <a:schemeClr val="phClr"/>
+        </a:solidFill>
+        <a:solidFill>
+          <a:schemeClr val="phClr">
+            <a:tint val="95000"/>
+            <a:satMod val="170000"/>
+          </a:schemeClr>
+        </a:solidFill>
+        <a:gradFill rotWithShape="1">
+          <a:gsLst>
+            <a:gs pos="0">
+              <a:schemeClr val="phClr">
+                <a:tint val="93000"/>
+                <a:satMod val="150000"/>
+                <a:shade val="98000"/>
+                <a:lumMod val="102000"/>
+              </a:schemeClr>
+            </a:gs>
+            <a:gs pos="50000">
+              <a:schemeClr val="phClr">
+                <a:tint val="98000"/>
+                <a:satMod val="130000"/>
+                <a:shade val="90000"/>
+                <a:lumMod val="103000"/>
+              </a:schemeClr>
+            </a:gs>
+            <a:gs pos="100000">
+              <a:schemeClr val="phClr">
+                <a:shade val="63000"/>
+                <a:satMod val="120000"/>
+              </a:schemeClr>
+            </a:gs>
+          </a:gsLst>
+          <a:lin ang="5400000" scaled="0"/>
+        </a:gradFill>
+      </a:bgFillStyleLst>
+    </a:fmtScheme>
+  </a:themeElements>
+  <a:extLst>
+    <a:ext uri="{05A4C25C-085E-4340-85A3-A5531E510DB2}">
+      <thm15:themeFamily xmlns:thm15="http://schemas.microsoft.com/office/thememl/2012/main" name="Office Theme" id="{62F939B6-93AF-4DB8-9C6B-D6C7DFDC589F}" vid="{4A3C46E8-61CC-4603-A589-7422A47A8E4A}"/>
+    </a:ext>
+  </a:extLst>
+</a:theme>
 </file>